--- a/Utazásszervezés program.pptx
+++ b/Utazásszervezés program.pptx
@@ -17,8 +17,7 @@
     <p:sldId id="264" r:id="rId11"/>
     <p:sldId id="265" r:id="rId12"/>
     <p:sldId id="268" r:id="rId13"/>
-    <p:sldId id="269" r:id="rId14"/>
-    <p:sldId id="266" r:id="rId15"/>
+    <p:sldId id="266" r:id="rId14"/>
   </p:sldIdLst>
   <p:sldSz cx="12192000" cy="6858000"/>
   <p:notesSz cx="6858000" cy="9144000"/>
@@ -117,6 +116,11 @@
       </a:defRPr>
     </a:lvl9pPr>
   </p:defaultTextStyle>
+  <p:extLst>
+    <p:ext uri="{EFAFB233-063F-42B5-8137-9DF3F51BA10A}">
+      <p15:sldGuideLst xmlns:p15="http://schemas.microsoft.com/office/powerpoint/2012/main"/>
+    </p:ext>
+  </p:extLst>
 </p:presentation>
 </file>
 
@@ -7891,8 +7895,32 @@
         </p:blipFill>
         <p:spPr>
           <a:xfrm>
-            <a:off x="1652635" y="2790825"/>
-            <a:ext cx="7669231" cy="3298031"/>
+            <a:off x="322599" y="2865047"/>
+            <a:ext cx="5778943" cy="2338719"/>
+          </a:xfrm>
+          <a:prstGeom prst="rect">
+            <a:avLst/>
+          </a:prstGeom>
+        </p:spPr>
+      </p:pic>
+      <p:pic>
+        <p:nvPicPr>
+          <p:cNvPr id="5" name="Kép 4"/>
+          <p:cNvPicPr>
+            <a:picLocks noChangeAspect="1"/>
+          </p:cNvPicPr>
+          <p:nvPr/>
+        </p:nvPicPr>
+        <p:blipFill>
+          <a:blip r:embed="rId3"/>
+          <a:stretch>
+            <a:fillRect/>
+          </a:stretch>
+        </p:blipFill>
+        <p:spPr>
+          <a:xfrm>
+            <a:off x="6242553" y="2435059"/>
+            <a:ext cx="5666814" cy="3231358"/>
           </a:xfrm>
           <a:prstGeom prst="rect">
             <a:avLst/>
@@ -8045,7 +8073,7 @@
       </p:sp>
       <p:pic>
         <p:nvPicPr>
-          <p:cNvPr id="5" name="Kép 4"/>
+          <p:cNvPr id="3" name="Kép 2"/>
           <p:cNvPicPr>
             <a:picLocks noChangeAspect="1"/>
           </p:cNvPicPr>
@@ -8059,8 +8087,8 @@
         </p:blipFill>
         <p:spPr>
           <a:xfrm>
-            <a:off x="5906979" y="2931729"/>
-            <a:ext cx="6219248" cy="2914334"/>
+            <a:off x="680321" y="2924160"/>
+            <a:ext cx="4080255" cy="3726022"/>
           </a:xfrm>
           <a:prstGeom prst="rect">
             <a:avLst/>
@@ -8069,7 +8097,7 @@
       </p:pic>
       <p:pic>
         <p:nvPicPr>
-          <p:cNvPr id="6" name="Kép 5"/>
+          <p:cNvPr id="4" name="Kép 3"/>
           <p:cNvPicPr>
             <a:picLocks noChangeAspect="1"/>
           </p:cNvPicPr>
@@ -8083,14 +8111,132 @@
         </p:blipFill>
         <p:spPr>
           <a:xfrm>
-            <a:off x="193833" y="2336873"/>
-            <a:ext cx="5621105" cy="4104046"/>
+            <a:off x="6244497" y="3023914"/>
+            <a:ext cx="4387502" cy="3343636"/>
           </a:xfrm>
           <a:prstGeom prst="rect">
             <a:avLst/>
           </a:prstGeom>
         </p:spPr>
       </p:pic>
+      <p:pic>
+        <p:nvPicPr>
+          <p:cNvPr id="7" name="Kép 6"/>
+          <p:cNvPicPr>
+            <a:picLocks noChangeAspect="1"/>
+          </p:cNvPicPr>
+          <p:nvPr/>
+        </p:nvPicPr>
+        <p:blipFill rotWithShape="1">
+          <a:blip r:embed="rId4"/>
+          <a:srcRect t="12541" b="-1"/>
+          <a:stretch/>
+        </p:blipFill>
+        <p:spPr>
+          <a:xfrm>
+            <a:off x="6244497" y="2651760"/>
+            <a:ext cx="4387502" cy="272401"/>
+          </a:xfrm>
+          <a:prstGeom prst="rect">
+            <a:avLst/>
+          </a:prstGeom>
+        </p:spPr>
+      </p:pic>
+      <p:pic>
+        <p:nvPicPr>
+          <p:cNvPr id="8" name="Kép 7"/>
+          <p:cNvPicPr>
+            <a:picLocks noChangeAspect="1"/>
+          </p:cNvPicPr>
+          <p:nvPr/>
+        </p:nvPicPr>
+        <p:blipFill rotWithShape="1">
+          <a:blip r:embed="rId5"/>
+          <a:srcRect t="7203"/>
+          <a:stretch/>
+        </p:blipFill>
+        <p:spPr>
+          <a:xfrm>
+            <a:off x="0" y="2635135"/>
+            <a:ext cx="5813899" cy="289025"/>
+          </a:xfrm>
+          <a:prstGeom prst="rect">
+            <a:avLst/>
+          </a:prstGeom>
+        </p:spPr>
+      </p:pic>
+      <p:sp>
+        <p:nvSpPr>
+          <p:cNvPr id="10" name="Szövegdoboz 9"/>
+          <p:cNvSpPr txBox="1"/>
+          <p:nvPr/>
+        </p:nvSpPr>
+        <p:spPr>
+          <a:xfrm>
+            <a:off x="1203375" y="2143262"/>
+            <a:ext cx="3167149" cy="369332"/>
+          </a:xfrm>
+          <a:prstGeom prst="rect">
+            <a:avLst/>
+          </a:prstGeom>
+          <a:noFill/>
+        </p:spPr>
+        <p:txBody>
+          <a:bodyPr wrap="square" rtlCol="0">
+            <a:spAutoFit/>
+          </a:bodyPr>
+          <a:lstStyle/>
+          <a:p>
+            <a:r>
+              <a:rPr lang="hu-HU" dirty="0"/>
+              <a:t>u</a:t>
+            </a:r>
+            <a:r>
+              <a:rPr lang="hu-HU" dirty="0" smtClean="0"/>
+              <a:t>tas osztályon belül</a:t>
+            </a:r>
+            <a:endParaRPr lang="hu-HU" dirty="0"/>
+          </a:p>
+        </p:txBody>
+      </p:sp>
+      <p:sp>
+        <p:nvSpPr>
+          <p:cNvPr id="11" name="Szövegdoboz 10"/>
+          <p:cNvSpPr txBox="1"/>
+          <p:nvPr/>
+        </p:nvSpPr>
+        <p:spPr>
+          <a:xfrm>
+            <a:off x="7057505" y="2159887"/>
+            <a:ext cx="3084022" cy="369332"/>
+          </a:xfrm>
+          <a:prstGeom prst="rect">
+            <a:avLst/>
+          </a:prstGeom>
+          <a:noFill/>
+        </p:spPr>
+        <p:txBody>
+          <a:bodyPr wrap="square" rtlCol="0">
+            <a:spAutoFit/>
+          </a:bodyPr>
+          <a:lstStyle/>
+          <a:p>
+            <a:r>
+              <a:rPr lang="hu-HU" dirty="0" err="1"/>
+              <a:t>u</a:t>
+            </a:r>
+            <a:r>
+              <a:rPr lang="hu-HU" dirty="0" err="1" smtClean="0"/>
+              <a:t>tazas</a:t>
+            </a:r>
+            <a:r>
+              <a:rPr lang="hu-HU" dirty="0" smtClean="0"/>
+              <a:t> osztályon belül</a:t>
+            </a:r>
+            <a:endParaRPr lang="hu-HU" dirty="0"/>
+          </a:p>
+        </p:txBody>
+      </p:sp>
     </p:spTree>
     <p:extLst>
       <p:ext uri="{BB962C8B-B14F-4D97-AF65-F5344CB8AC3E}">
@@ -8112,89 +8258,6 @@
 </file>
 
 <file path=ppt/slides/slide13.xml><?xml version="1.0" encoding="utf-8"?>
-<p:sld xmlns:a="http://schemas.openxmlformats.org/drawingml/2006/main" xmlns:r="http://schemas.openxmlformats.org/officeDocument/2006/relationships" xmlns:p="http://schemas.openxmlformats.org/presentationml/2006/main">
-  <p:cSld>
-    <p:spTree>
-      <p:nvGrpSpPr>
-        <p:cNvPr id="1" name=""/>
-        <p:cNvGrpSpPr/>
-        <p:nvPr/>
-      </p:nvGrpSpPr>
-      <p:grpSpPr>
-        <a:xfrm>
-          <a:off x="0" y="0"/>
-          <a:ext cx="0" cy="0"/>
-          <a:chOff x="0" y="0"/>
-          <a:chExt cx="0" cy="0"/>
-        </a:xfrm>
-      </p:grpSpPr>
-      <p:sp>
-        <p:nvSpPr>
-          <p:cNvPr id="2" name="Cím 1"/>
-          <p:cNvSpPr>
-            <a:spLocks noGrp="1"/>
-          </p:cNvSpPr>
-          <p:nvPr>
-            <p:ph type="title"/>
-          </p:nvPr>
-        </p:nvSpPr>
-        <p:spPr/>
-        <p:txBody>
-          <a:bodyPr/>
-          <a:lstStyle/>
-          <a:p>
-            <a:r>
-              <a:rPr lang="hu-HU" dirty="0"/>
-              <a:t>Jelentkezés utazásra</a:t>
-            </a:r>
-          </a:p>
-        </p:txBody>
-      </p:sp>
-      <p:pic>
-        <p:nvPicPr>
-          <p:cNvPr id="3" name="Kép 2"/>
-          <p:cNvPicPr>
-            <a:picLocks noChangeAspect="1"/>
-          </p:cNvPicPr>
-          <p:nvPr/>
-        </p:nvPicPr>
-        <p:blipFill>
-          <a:blip r:embed="rId2"/>
-          <a:stretch>
-            <a:fillRect/>
-          </a:stretch>
-        </p:blipFill>
-        <p:spPr>
-          <a:xfrm>
-            <a:off x="2134437" y="1968063"/>
-            <a:ext cx="6705628" cy="4808355"/>
-          </a:xfrm>
-          <a:prstGeom prst="rect">
-            <a:avLst/>
-          </a:prstGeom>
-        </p:spPr>
-      </p:pic>
-    </p:spTree>
-    <p:extLst>
-      <p:ext uri="{BB962C8B-B14F-4D97-AF65-F5344CB8AC3E}">
-        <p14:creationId xmlns:p14="http://schemas.microsoft.com/office/powerpoint/2010/main" val="1882446242"/>
-      </p:ext>
-    </p:extLst>
-  </p:cSld>
-  <p:clrMapOvr>
-    <a:masterClrMapping/>
-  </p:clrMapOvr>
-  <p:timing>
-    <p:tnLst>
-      <p:par>
-        <p:cTn id="1" dur="indefinite" restart="never" nodeType="tmRoot"/>
-      </p:par>
-    </p:tnLst>
-  </p:timing>
-</p:sld>
-</file>
-
-<file path=ppt/slides/slide14.xml><?xml version="1.0" encoding="utf-8"?>
 <p:sld xmlns:a="http://schemas.openxmlformats.org/drawingml/2006/main" xmlns:r="http://schemas.openxmlformats.org/officeDocument/2006/relationships" xmlns:p="http://schemas.openxmlformats.org/presentationml/2006/main" showMasterSp="0">
   <p:cSld>
     <p:bg>
@@ -8589,7 +8652,7 @@
           <a:p>
             <a:r>
               <a:rPr lang="hu-HU" dirty="0" smtClean="0"/>
-              <a:t>Adatszerkezetek</a:t>
+              <a:t>Adatszerkezet</a:t>
             </a:r>
             <a:endParaRPr lang="hu-HU" dirty="0"/>
           </a:p>
@@ -8597,33 +8660,64 @@
       </p:sp>
       <p:pic>
         <p:nvPicPr>
-          <p:cNvPr id="4" name="Tartalom helye 3"/>
+          <p:cNvPr id="8" name="Kép 7"/>
           <p:cNvPicPr>
-            <a:picLocks noGrp="1" noChangeAspect="1"/>
+            <a:picLocks noChangeAspect="1"/>
           </p:cNvPicPr>
-          <p:nvPr>
-            <p:ph idx="1"/>
-          </p:nvPr>
+          <p:nvPr/>
         </p:nvPicPr>
-        <p:blipFill>
+        <p:blipFill rotWithShape="1">
           <a:blip r:embed="rId2"/>
-          <a:stretch>
-            <a:fillRect/>
-          </a:stretch>
+          <a:srcRect b="2752"/>
+          <a:stretch/>
         </p:blipFill>
         <p:spPr>
           <a:xfrm>
-            <a:off x="0" y="2044360"/>
-            <a:ext cx="6867870" cy="4813640"/>
+            <a:off x="4422370" y="2931978"/>
+            <a:ext cx="6930736" cy="3817957"/>
           </a:xfrm>
           <a:prstGeom prst="rect">
             <a:avLst/>
           </a:prstGeom>
         </p:spPr>
       </p:pic>
+      <p:sp>
+        <p:nvSpPr>
+          <p:cNvPr id="10" name="Szövegdoboz 9"/>
+          <p:cNvSpPr txBox="1"/>
+          <p:nvPr/>
+        </p:nvSpPr>
+        <p:spPr>
+          <a:xfrm>
+            <a:off x="140484" y="2219497"/>
+            <a:ext cx="2111433" cy="369332"/>
+          </a:xfrm>
+          <a:prstGeom prst="rect">
+            <a:avLst/>
+          </a:prstGeom>
+          <a:noFill/>
+        </p:spPr>
+        <p:txBody>
+          <a:bodyPr wrap="square" rtlCol="0">
+            <a:spAutoFit/>
+          </a:bodyPr>
+          <a:lstStyle/>
+          <a:p>
+            <a:r>
+              <a:rPr lang="hu-HU" dirty="0"/>
+              <a:t>u</a:t>
+            </a:r>
+            <a:r>
+              <a:rPr lang="hu-HU" dirty="0" smtClean="0"/>
+              <a:t>tasok.txt</a:t>
+            </a:r>
+            <a:endParaRPr lang="hu-HU" dirty="0"/>
+          </a:p>
+        </p:txBody>
+      </p:sp>
       <p:pic>
         <p:nvPicPr>
-          <p:cNvPr id="5" name="Kép 4"/>
+          <p:cNvPr id="11" name="Kép 10"/>
           <p:cNvPicPr>
             <a:picLocks noChangeAspect="1"/>
           </p:cNvPicPr>
@@ -8637,17 +8731,51 @@
         </p:blipFill>
         <p:spPr>
           <a:xfrm>
-            <a:off x="6525186" y="2044360"/>
-            <a:ext cx="5666814" cy="3231358"/>
+            <a:off x="259301" y="2588829"/>
+            <a:ext cx="5385892" cy="229187"/>
           </a:xfrm>
           <a:prstGeom prst="rect">
             <a:avLst/>
           </a:prstGeom>
         </p:spPr>
       </p:pic>
+      <p:sp>
+        <p:nvSpPr>
+          <p:cNvPr id="12" name="Szövegdoboz 11"/>
+          <p:cNvSpPr txBox="1"/>
+          <p:nvPr/>
+        </p:nvSpPr>
+        <p:spPr>
+          <a:xfrm>
+            <a:off x="140484" y="2915171"/>
+            <a:ext cx="1670858" cy="369332"/>
+          </a:xfrm>
+          <a:prstGeom prst="rect">
+            <a:avLst/>
+          </a:prstGeom>
+          <a:noFill/>
+        </p:spPr>
+        <p:txBody>
+          <a:bodyPr wrap="square" rtlCol="0">
+            <a:spAutoFit/>
+          </a:bodyPr>
+          <a:lstStyle/>
+          <a:p>
+            <a:r>
+              <a:rPr lang="hu-HU" dirty="0"/>
+              <a:t>u</a:t>
+            </a:r>
+            <a:r>
+              <a:rPr lang="hu-HU" dirty="0" smtClean="0"/>
+              <a:t>tazasok.txt</a:t>
+            </a:r>
+            <a:endParaRPr lang="hu-HU" dirty="0"/>
+          </a:p>
+        </p:txBody>
+      </p:sp>
       <p:pic>
         <p:nvPicPr>
-          <p:cNvPr id="6" name="Kép 5"/>
+          <p:cNvPr id="13" name="Kép 12"/>
           <p:cNvPicPr>
             <a:picLocks noChangeAspect="1"/>
           </p:cNvPicPr>
@@ -8661,8 +8789,8 @@
         </p:blipFill>
         <p:spPr>
           <a:xfrm>
-            <a:off x="6867870" y="6238851"/>
-            <a:ext cx="5314360" cy="619149"/>
+            <a:off x="259301" y="3260319"/>
+            <a:ext cx="3104082" cy="312360"/>
           </a:xfrm>
           <a:prstGeom prst="rect">
             <a:avLst/>
@@ -8830,8 +8958,32 @@
         </p:blipFill>
         <p:spPr>
           <a:xfrm>
-            <a:off x="1871333" y="2573712"/>
-            <a:ext cx="7231836" cy="3643733"/>
+            <a:off x="266976" y="2789156"/>
+            <a:ext cx="5926887" cy="3075235"/>
+          </a:xfrm>
+          <a:prstGeom prst="rect">
+            <a:avLst/>
+          </a:prstGeom>
+        </p:spPr>
+      </p:pic>
+      <p:pic>
+        <p:nvPicPr>
+          <p:cNvPr id="5" name="Tartalom helye 3"/>
+          <p:cNvPicPr>
+            <a:picLocks noChangeAspect="1"/>
+          </p:cNvPicPr>
+          <p:nvPr/>
+        </p:nvPicPr>
+        <p:blipFill>
+          <a:blip r:embed="rId3"/>
+          <a:stretch>
+            <a:fillRect/>
+          </a:stretch>
+        </p:blipFill>
+        <p:spPr>
+          <a:xfrm>
+            <a:off x="6418307" y="2344189"/>
+            <a:ext cx="5657315" cy="3965171"/>
           </a:xfrm>
           <a:prstGeom prst="rect">
             <a:avLst/>
@@ -9001,7 +9153,7 @@
         </p:blipFill>
         <p:spPr>
           <a:xfrm>
-            <a:off x="-57320" y="2724150"/>
+            <a:off x="0" y="2549582"/>
             <a:ext cx="12249320" cy="2997995"/>
           </a:xfrm>
           <a:prstGeom prst="rect">

--- a/Utazásszervezés program.pptx
+++ b/Utazásszervezés program.pptx
@@ -398,7 +398,7 @@
           <a:p>
             <a:fld id="{7A8A5577-F1EC-4019-8104-6E6F4EDD9822}" type="datetimeFigureOut">
               <a:rPr lang="hu-HU" smtClean="0"/>
-              <a:t>2023. 05. 25.</a:t>
+              <a:t>2023. 05. 26.</a:t>
             </a:fld>
             <a:endParaRPr lang="hu-HU"/>
           </a:p>
@@ -812,7 +812,7 @@
           <a:p>
             <a:fld id="{7A8A5577-F1EC-4019-8104-6E6F4EDD9822}" type="datetimeFigureOut">
               <a:rPr lang="hu-HU" smtClean="0"/>
-              <a:t>2023. 05. 25.</a:t>
+              <a:t>2023. 05. 26.</a:t>
             </a:fld>
             <a:endParaRPr lang="hu-HU"/>
           </a:p>
@@ -1148,7 +1148,7 @@
           <a:p>
             <a:fld id="{7A8A5577-F1EC-4019-8104-6E6F4EDD9822}" type="datetimeFigureOut">
               <a:rPr lang="hu-HU" smtClean="0"/>
-              <a:t>2023. 05. 25.</a:t>
+              <a:t>2023. 05. 26.</a:t>
             </a:fld>
             <a:endParaRPr lang="hu-HU"/>
           </a:p>
@@ -1553,7 +1553,7 @@
           <a:p>
             <a:fld id="{7A8A5577-F1EC-4019-8104-6E6F4EDD9822}" type="datetimeFigureOut">
               <a:rPr lang="hu-HU" smtClean="0"/>
-              <a:t>2023. 05. 25.</a:t>
+              <a:t>2023. 05. 26.</a:t>
             </a:fld>
             <a:endParaRPr lang="hu-HU"/>
           </a:p>
@@ -2121,7 +2121,7 @@
           <a:p>
             <a:fld id="{7A8A5577-F1EC-4019-8104-6E6F4EDD9822}" type="datetimeFigureOut">
               <a:rPr lang="hu-HU" smtClean="0"/>
-              <a:t>2023. 05. 25.</a:t>
+              <a:t>2023. 05. 26.</a:t>
             </a:fld>
             <a:endParaRPr lang="hu-HU"/>
           </a:p>
@@ -2802,7 +2802,7 @@
           <a:p>
             <a:fld id="{7A8A5577-F1EC-4019-8104-6E6F4EDD9822}" type="datetimeFigureOut">
               <a:rPr lang="hu-HU" smtClean="0"/>
-              <a:t>2023. 05. 25.</a:t>
+              <a:t>2023. 05. 26.</a:t>
             </a:fld>
             <a:endParaRPr lang="hu-HU"/>
           </a:p>
@@ -3715,7 +3715,7 @@
           <a:p>
             <a:fld id="{7A8A5577-F1EC-4019-8104-6E6F4EDD9822}" type="datetimeFigureOut">
               <a:rPr lang="hu-HU" smtClean="0"/>
-              <a:t>2023. 05. 25.</a:t>
+              <a:t>2023. 05. 26.</a:t>
             </a:fld>
             <a:endParaRPr lang="hu-HU"/>
           </a:p>
@@ -4028,7 +4028,7 @@
           <a:p>
             <a:fld id="{7A8A5577-F1EC-4019-8104-6E6F4EDD9822}" type="datetimeFigureOut">
               <a:rPr lang="hu-HU" smtClean="0"/>
-              <a:t>2023. 05. 25.</a:t>
+              <a:t>2023. 05. 26.</a:t>
             </a:fld>
             <a:endParaRPr lang="hu-HU"/>
           </a:p>
@@ -4292,7 +4292,7 @@
           <a:p>
             <a:fld id="{7A8A5577-F1EC-4019-8104-6E6F4EDD9822}" type="datetimeFigureOut">
               <a:rPr lang="hu-HU" smtClean="0"/>
-              <a:t>2023. 05. 25.</a:t>
+              <a:t>2023. 05. 26.</a:t>
             </a:fld>
             <a:endParaRPr lang="hu-HU"/>
           </a:p>
@@ -4615,7 +4615,7 @@
           <a:p>
             <a:fld id="{7A8A5577-F1EC-4019-8104-6E6F4EDD9822}" type="datetimeFigureOut">
               <a:rPr lang="hu-HU" smtClean="0"/>
-              <a:t>2023. 05. 25.</a:t>
+              <a:t>2023. 05. 26.</a:t>
             </a:fld>
             <a:endParaRPr lang="hu-HU"/>
           </a:p>
@@ -5004,7 +5004,7 @@
           <a:p>
             <a:fld id="{7A8A5577-F1EC-4019-8104-6E6F4EDD9822}" type="datetimeFigureOut">
               <a:rPr lang="hu-HU" smtClean="0"/>
-              <a:t>2023. 05. 25.</a:t>
+              <a:t>2023. 05. 26.</a:t>
             </a:fld>
             <a:endParaRPr lang="hu-HU"/>
           </a:p>
@@ -5380,7 +5380,7 @@
           <a:p>
             <a:fld id="{7A8A5577-F1EC-4019-8104-6E6F4EDD9822}" type="datetimeFigureOut">
               <a:rPr lang="hu-HU" smtClean="0"/>
-              <a:t>2023. 05. 25.</a:t>
+              <a:t>2023. 05. 26.</a:t>
             </a:fld>
             <a:endParaRPr lang="hu-HU"/>
           </a:p>
@@ -5886,7 +5886,7 @@
           <a:p>
             <a:fld id="{7A8A5577-F1EC-4019-8104-6E6F4EDD9822}" type="datetimeFigureOut">
               <a:rPr lang="hu-HU" smtClean="0"/>
-              <a:t>2023. 05. 25.</a:t>
+              <a:t>2023. 05. 26.</a:t>
             </a:fld>
             <a:endParaRPr lang="hu-HU"/>
           </a:p>
@@ -6143,7 +6143,7 @@
           <a:p>
             <a:fld id="{7A8A5577-F1EC-4019-8104-6E6F4EDD9822}" type="datetimeFigureOut">
               <a:rPr lang="hu-HU" smtClean="0"/>
-              <a:t>2023. 05. 25.</a:t>
+              <a:t>2023. 05. 26.</a:t>
             </a:fld>
             <a:endParaRPr lang="hu-HU"/>
           </a:p>
@@ -6306,7 +6306,7 @@
           <a:p>
             <a:fld id="{7A8A5577-F1EC-4019-8104-6E6F4EDD9822}" type="datetimeFigureOut">
               <a:rPr lang="hu-HU" smtClean="0"/>
-              <a:t>2023. 05. 25.</a:t>
+              <a:t>2023. 05. 26.</a:t>
             </a:fld>
             <a:endParaRPr lang="hu-HU"/>
           </a:p>
@@ -6696,7 +6696,7 @@
           <a:p>
             <a:fld id="{7A8A5577-F1EC-4019-8104-6E6F4EDD9822}" type="datetimeFigureOut">
               <a:rPr lang="hu-HU" smtClean="0"/>
-              <a:t>2023. 05. 25.</a:t>
+              <a:t>2023. 05. 26.</a:t>
             </a:fld>
             <a:endParaRPr lang="hu-HU"/>
           </a:p>
@@ -7105,7 +7105,7 @@
           <a:p>
             <a:fld id="{7A8A5577-F1EC-4019-8104-6E6F4EDD9822}" type="datetimeFigureOut">
               <a:rPr lang="hu-HU" smtClean="0"/>
-              <a:t>2023. 05. 25.</a:t>
+              <a:t>2023. 05. 26.</a:t>
             </a:fld>
             <a:endParaRPr lang="hu-HU"/>
           </a:p>
@@ -7349,7 +7349,7 @@
           <a:p>
             <a:fld id="{7A8A5577-F1EC-4019-8104-6E6F4EDD9822}" type="datetimeFigureOut">
               <a:rPr lang="hu-HU" smtClean="0"/>
-              <a:t>2023. 05. 25.</a:t>
+              <a:t>2023. 05. 26.</a:t>
             </a:fld>
             <a:endParaRPr lang="hu-HU"/>
           </a:p>
@@ -8974,16 +8974,38 @@
           </p:cNvPicPr>
           <p:nvPr/>
         </p:nvPicPr>
-        <p:blipFill>
+        <p:blipFill rotWithShape="1">
           <a:blip r:embed="rId3"/>
-          <a:stretch>
-            <a:fillRect/>
-          </a:stretch>
+          <a:srcRect b="63732"/>
+          <a:stretch/>
         </p:blipFill>
         <p:spPr>
           <a:xfrm>
-            <a:off x="6418307" y="2344189"/>
-            <a:ext cx="5657315" cy="3965171"/>
+            <a:off x="6418306" y="2975957"/>
+            <a:ext cx="5657315" cy="1438102"/>
+          </a:xfrm>
+          <a:prstGeom prst="rect">
+            <a:avLst/>
+          </a:prstGeom>
+        </p:spPr>
+      </p:pic>
+      <p:pic>
+        <p:nvPicPr>
+          <p:cNvPr id="6" name="Tartalom helye 3"/>
+          <p:cNvPicPr>
+            <a:picLocks noChangeAspect="1"/>
+          </p:cNvPicPr>
+          <p:nvPr/>
+        </p:nvPicPr>
+        <p:blipFill rotWithShape="1">
+          <a:blip r:embed="rId3"/>
+          <a:srcRect t="65199"/>
+          <a:stretch/>
+        </p:blipFill>
+        <p:spPr>
+          <a:xfrm>
+            <a:off x="6418306" y="4414059"/>
+            <a:ext cx="5657315" cy="1379913"/>
           </a:xfrm>
           <a:prstGeom prst="rect">
             <a:avLst/>

--- a/Utazásszervezés program.pptx
+++ b/Utazásszervezés program.pptx
@@ -9082,16 +9082,38 @@
             <p:ph idx="1"/>
           </p:nvPr>
         </p:nvPicPr>
-        <p:blipFill>
+        <p:blipFill rotWithShape="1">
           <a:blip r:embed="rId2"/>
-          <a:stretch>
-            <a:fillRect/>
-          </a:stretch>
+          <a:srcRect b="78915"/>
+          <a:stretch/>
         </p:blipFill>
         <p:spPr>
           <a:xfrm>
             <a:off x="2005622" y="2440953"/>
-            <a:ext cx="6963257" cy="3838403"/>
+            <a:ext cx="6963257" cy="809323"/>
+          </a:xfrm>
+          <a:prstGeom prst="rect">
+            <a:avLst/>
+          </a:prstGeom>
+        </p:spPr>
+      </p:pic>
+      <p:pic>
+        <p:nvPicPr>
+          <p:cNvPr id="5" name="Tartalom helye 3"/>
+          <p:cNvPicPr>
+            <a:picLocks/>
+          </p:cNvPicPr>
+          <p:nvPr/>
+        </p:nvPicPr>
+        <p:blipFill rotWithShape="1">
+          <a:blip r:embed="rId2"/>
+          <a:srcRect t="41442"/>
+          <a:stretch/>
+        </p:blipFill>
+        <p:spPr>
+          <a:xfrm>
+            <a:off x="2005621" y="3175462"/>
+            <a:ext cx="6963257" cy="2247683"/>
           </a:xfrm>
           <a:prstGeom prst="rect">
             <a:avLst/>
@@ -9175,8 +9197,32 @@
         </p:blipFill>
         <p:spPr>
           <a:xfrm>
-            <a:off x="0" y="2549582"/>
-            <a:ext cx="12249320" cy="2997995"/>
+            <a:off x="0" y="2527070"/>
+            <a:ext cx="12192000" cy="3020508"/>
+          </a:xfrm>
+          <a:prstGeom prst="rect">
+            <a:avLst/>
+          </a:prstGeom>
+        </p:spPr>
+      </p:pic>
+      <p:pic>
+        <p:nvPicPr>
+          <p:cNvPr id="3" name="Kép 2"/>
+          <p:cNvPicPr>
+            <a:picLocks noChangeAspect="1"/>
+          </p:cNvPicPr>
+          <p:nvPr/>
+        </p:nvPicPr>
+        <p:blipFill>
+          <a:blip r:embed="rId3"/>
+          <a:stretch>
+            <a:fillRect/>
+          </a:stretch>
+        </p:blipFill>
+        <p:spPr>
+          <a:xfrm>
+            <a:off x="3020592" y="2965459"/>
+            <a:ext cx="647790" cy="295316"/>
           </a:xfrm>
           <a:prstGeom prst="rect">
             <a:avLst/>

--- a/Utazásszervezés program.pptx
+++ b/Utazásszervezés program.pptx
@@ -8012,6 +8012,30 @@
           </a:prstGeom>
         </p:spPr>
       </p:pic>
+      <p:pic>
+        <p:nvPicPr>
+          <p:cNvPr id="3" name="Kép 2"/>
+          <p:cNvPicPr>
+            <a:picLocks noChangeAspect="1"/>
+          </p:cNvPicPr>
+          <p:nvPr/>
+        </p:nvPicPr>
+        <p:blipFill>
+          <a:blip r:embed="rId3"/>
+          <a:stretch>
+            <a:fillRect/>
+          </a:stretch>
+        </p:blipFill>
+        <p:spPr>
+          <a:xfrm>
+            <a:off x="1856811" y="1892136"/>
+            <a:ext cx="520629" cy="237346"/>
+          </a:xfrm>
+          <a:prstGeom prst="rect">
+            <a:avLst/>
+          </a:prstGeom>
+        </p:spPr>
+      </p:pic>
     </p:spTree>
     <p:extLst>
       <p:ext uri="{BB962C8B-B14F-4D97-AF65-F5344CB8AC3E}">
@@ -9221,7 +9245,7 @@
         </p:blipFill>
         <p:spPr>
           <a:xfrm>
-            <a:off x="3020592" y="2965459"/>
+            <a:off x="3020593" y="2940520"/>
             <a:ext cx="647790" cy="295316"/>
           </a:xfrm>
           <a:prstGeom prst="rect">
